--- a/slides/FastMDAnalysis_benchmarks_ubiquitin99.pptx
+++ b/slides/FastMDAnalysis_benchmarks_ubiquitin99.pptx
@@ -17,6 +17,7 @@
     <p:sldId id="265" r:id="rId16"/>
     <p:sldId id="266" r:id="rId17"/>
     <p:sldId id="267" r:id="rId18"/>
+    <p:sldId id="268" r:id="rId19"/>
   </p:sldIdLst>
   <p:sldSz cx="9144000" cy="6858000" type="screen4x3"/>
   <p:notesSz cx="6858000" cy="9144000"/>
@@ -3413,7 +3414,7 @@
         <p:spPr>
           <a:xfrm>
             <a:off x="4572000" y="1097280"/>
-            <a:ext cx="3657600" cy="2209894"/>
+            <a:ext cx="3657600" cy="2268638"/>
           </a:xfrm>
           <a:prstGeom prst="rect">
             <a:avLst/>
@@ -3462,6 +3463,180 @@
         <p:nvPr/>
       </p:nvGrpSpPr>
       <p:grpSpPr/>
+      <p:pic>
+        <p:nvPicPr>
+          <p:cNvPr id="2" name="Picture 1" descr="orchestrator_single_run_runtime.png"/>
+          <p:cNvPicPr>
+            <a:picLocks noChangeAspect="1"/>
+          </p:cNvPicPr>
+          <p:nvPr/>
+        </p:nvPicPr>
+        <p:blipFill>
+          <a:blip r:embed="rId2"/>
+          <a:stretch>
+            <a:fillRect/>
+          </a:stretch>
+        </p:blipFill>
+        <p:spPr>
+          <a:xfrm>
+            <a:off x="457200" y="1005840"/>
+            <a:ext cx="3931920" cy="2486361"/>
+          </a:xfrm>
+          <a:prstGeom prst="rect">
+            <a:avLst/>
+          </a:prstGeom>
+        </p:spPr>
+      </p:pic>
+      <p:pic>
+        <p:nvPicPr>
+          <p:cNvPr id="3" name="Picture 2" descr="orchestrator_single_run_memory.png"/>
+          <p:cNvPicPr>
+            <a:picLocks noChangeAspect="1"/>
+          </p:cNvPicPr>
+          <p:nvPr/>
+        </p:nvPicPr>
+        <p:blipFill>
+          <a:blip r:embed="rId3"/>
+          <a:stretch>
+            <a:fillRect/>
+          </a:stretch>
+        </p:blipFill>
+        <p:spPr>
+          <a:xfrm>
+            <a:off x="4572000" y="1005840"/>
+            <a:ext cx="3931920" cy="2475440"/>
+          </a:xfrm>
+          <a:prstGeom prst="rect">
+            <a:avLst/>
+          </a:prstGeom>
+        </p:spPr>
+      </p:pic>
+      <p:pic>
+        <p:nvPicPr>
+          <p:cNvPr id="4" name="Picture 3" descr="orchestrator_single_run_analysis_breakdown.png"/>
+          <p:cNvPicPr>
+            <a:picLocks noChangeAspect="1"/>
+          </p:cNvPicPr>
+          <p:nvPr/>
+        </p:nvPicPr>
+        <p:blipFill>
+          <a:blip r:embed="rId4"/>
+          <a:stretch>
+            <a:fillRect/>
+          </a:stretch>
+        </p:blipFill>
+        <p:spPr>
+          <a:xfrm>
+            <a:off x="457200" y="4480560"/>
+            <a:ext cx="3931920" cy="2450327"/>
+          </a:xfrm>
+          <a:prstGeom prst="rect">
+            <a:avLst/>
+          </a:prstGeom>
+        </p:spPr>
+      </p:pic>
+      <p:pic>
+        <p:nvPicPr>
+          <p:cNvPr id="5" name="Picture 4" descr="orchestrator_single_run_loc.png"/>
+          <p:cNvPicPr>
+            <a:picLocks noChangeAspect="1"/>
+          </p:cNvPicPr>
+          <p:nvPr/>
+        </p:nvPicPr>
+        <p:blipFill>
+          <a:blip r:embed="rId5"/>
+          <a:stretch>
+            <a:fillRect/>
+          </a:stretch>
+        </p:blipFill>
+        <p:spPr>
+          <a:xfrm>
+            <a:off x="4572000" y="4480560"/>
+            <a:ext cx="3931920" cy="2486361"/>
+          </a:xfrm>
+          <a:prstGeom prst="rect">
+            <a:avLst/>
+          </a:prstGeom>
+        </p:spPr>
+      </p:pic>
+      <p:sp>
+        <p:nvSpPr>
+          <p:cNvPr id="6" name="TextBox 5"/>
+          <p:cNvSpPr txBox="1"/>
+          <p:nvPr/>
+        </p:nvSpPr>
+        <p:spPr>
+          <a:xfrm>
+            <a:off x="457200" y="274320"/>
+            <a:ext cx="8229600" cy="548640"/>
+          </a:xfrm>
+          <a:prstGeom prst="rect">
+            <a:avLst/>
+          </a:prstGeom>
+          <a:noFill/>
+        </p:spPr>
+        <p:txBody>
+          <a:bodyPr wrap="none">
+            <a:spAutoFit/>
+          </a:bodyPr>
+          <a:lstStyle/>
+          <a:p>
+            <a:r>
+              <a:rPr sz="2400" b="1"/>
+              <a:t>Single-run vs aggregated FastMDAnalysis</a:t>
+            </a:r>
+          </a:p>
+        </p:txBody>
+      </p:sp>
+      <p:sp>
+        <p:nvSpPr>
+          <p:cNvPr id="7" name="TextBox 6"/>
+          <p:cNvSpPr txBox="1"/>
+          <p:nvPr/>
+        </p:nvSpPr>
+        <p:spPr>
+          <a:xfrm>
+            <a:off x="457200" y="6400800"/>
+            <a:ext cx="8229600" cy="914400"/>
+          </a:xfrm>
+          <a:prstGeom prst="rect">
+            <a:avLst/>
+          </a:prstGeom>
+          <a:noFill/>
+        </p:spPr>
+        <p:txBody>
+          <a:bodyPr wrap="none">
+            <a:spAutoFit/>
+          </a:bodyPr>
+          <a:lstStyle/>
+          <a:p>
+            <a:pPr>
+              <a:defRPr sz="1200" i="1"/>
+            </a:pPr>
+            <a:r>
+              <a:t>Aggregated bars sum the computation, plotting, and overhead from individual analyze runs. Single-run bars reflect the orchestrated analyze(...) benchmark metrics for those same slices. Bottom-left chart breaks down runtime per analysis for the single run (slides counted as plotting).</a:t>
+            </a:r>
+          </a:p>
+        </p:txBody>
+      </p:sp>
+    </p:spTree>
+  </p:cSld>
+  <p:clrMapOvr>
+    <a:masterClrMapping/>
+  </p:clrMapOvr>
+</p:sld>
+</file>
+
+<file path=ppt/slides/slide13.xml><?xml version="1.0" encoding="utf-8"?>
+<p:sld xmlns:a="http://schemas.openxmlformats.org/drawingml/2006/main" xmlns:p="http://schemas.openxmlformats.org/presentationml/2006/main" xmlns:r="http://schemas.openxmlformats.org/officeDocument/2006/relationships">
+  <p:cSld>
+    <p:spTree>
+      <p:nvGrpSpPr>
+        <p:cNvPr id="1" name=""/>
+        <p:cNvGrpSpPr/>
+        <p:nvPr/>
+      </p:nvGrpSpPr>
+      <p:grpSpPr/>
       <p:sp>
         <p:nvSpPr>
           <p:cNvPr id="2" name="TextBox 1"/>
@@ -3518,7 +3693,7 @@
               <a:defRPr sz="1600"/>
             </a:pPr>
             <a:r>
-              <a:t>Snippet footprint overview: FastMDAnalysis 4 calc / 4 plot (8 total) lines, Mdtraj 21 calc / 28 plot (49 total) lines, Mdanalysis 38 calc / 28 plot (66 total) lines.</a:t>
+              <a:t>Snippet footprint overview: FastMDAnalysis 1 calc / 1 plot (2 total) lines, Mdtraj 21 calc / 28 plot (49 total) lines, Mdanalysis 38 calc / 28 plot (66 total) lines.</a:t>
             </a:r>
           </a:p>
           <a:p>
@@ -3526,7 +3701,7 @@
               <a:defRPr sz="1600"/>
             </a:pPr>
             <a:r>
-              <a:t>Runtime overview: FastMDAnalysis 2.30s calc / 4.88s plot / 0.09s overhead (7.27s total), Mdtraj 0.52s calc / 4.83s plot / 0.10s overhead (5.45s total), Mdanalysis 5.39s calc / 4.84s plot / 0.01s overhead (10.24s total).</a:t>
+              <a:t>Runtime overview: FastMDAnalysis 8.19s calc / 0.12s plot / 0.00s overhead (8.31s total), Mdtraj 0.50s calc / 5.02s plot / 0.10s overhead (5.62s total), Mdanalysis 5.59s calc / 5.01s plot / 0.01s overhead (10.60s total).</a:t>
             </a:r>
           </a:p>
           <a:p>
@@ -3534,7 +3709,7 @@
               <a:defRPr sz="1600"/>
             </a:pPr>
             <a:r>
-              <a:t>Peak memory overview: FastMDAnalysis 253.26 MB calc / 32.15 MB plot (255.21 MB peak), Mdtraj 236.20 MB calc / 27.42 MB plot (249.08 MB peak), Mdanalysis 2.03 MB calc / 28.19 MB plot (28.19 MB peak).</a:t>
+              <a:t>Peak memory overview: FastMDAnalysis 96.53 MB calc / 1.90 MB plot (96.53 MB peak), Mdtraj 236.23 MB calc / 27.16 MB plot (248.83 MB peak), Mdanalysis 2.04 MB calc / 27.77 MB plot (27.77 MB peak).</a:t>
             </a:r>
           </a:p>
           <a:p>
@@ -4047,7 +4222,7 @@
         <p:spPr>
           <a:xfrm>
             <a:off x="457200" y="1097280"/>
-            <a:ext cx="3657600" cy="2231910"/>
+            <a:ext cx="3657600" cy="2201749"/>
           </a:xfrm>
           <a:prstGeom prst="rect">
             <a:avLst/>
@@ -4657,7 +4832,7 @@
         <p:spPr>
           <a:xfrm>
             <a:off x="4572000" y="1097280"/>
-            <a:ext cx="3657600" cy="2229134"/>
+            <a:ext cx="3657600" cy="2268638"/>
           </a:xfrm>
           <a:prstGeom prst="rect">
             <a:avLst/>

--- a/slides/FastMDAnalysis_benchmarks_ubiquitin99.pptx
+++ b/slides/FastMDAnalysis_benchmarks_ubiquitin99.pptx
@@ -3414,7 +3414,7 @@
         <p:spPr>
           <a:xfrm>
             <a:off x="4572000" y="1097280"/>
-            <a:ext cx="3657600" cy="2268638"/>
+            <a:ext cx="3657600" cy="2209894"/>
           </a:xfrm>
           <a:prstGeom prst="rect">
             <a:avLst/>
@@ -3701,7 +3701,7 @@
               <a:defRPr sz="1600"/>
             </a:pPr>
             <a:r>
-              <a:t>Runtime overview: FastMDAnalysis 8.19s calc / 0.12s plot / 0.00s overhead (8.31s total), Mdtraj 0.50s calc / 5.02s plot / 0.10s overhead (5.62s total), Mdanalysis 5.59s calc / 5.01s plot / 0.01s overhead (10.60s total).</a:t>
+              <a:t>Runtime overview: FastMDAnalysis 1.41s calc / 6.63s plot (8.03s total), Mdtraj 0.49s calc / 4.98s plot / 0.10s overhead (5.57s total), Mdanalysis 5.59s calc / 4.97s plot / 0.01s overhead (10.57s total).</a:t>
             </a:r>
           </a:p>
           <a:p>
@@ -3709,7 +3709,7 @@
               <a:defRPr sz="1600"/>
             </a:pPr>
             <a:r>
-              <a:t>Peak memory overview: FastMDAnalysis 96.53 MB calc / 1.90 MB plot (96.53 MB peak), Mdtraj 236.23 MB calc / 27.16 MB plot (248.83 MB peak), Mdanalysis 2.04 MB calc / 27.77 MB plot (27.77 MB peak).</a:t>
+              <a:t>Peak memory overview: FastMDAnalysis 96.53 MB calc / 0.00 MB plot (96.53 MB peak), Mdtraj 236.23 MB calc / 27.16 MB plot (248.83 MB peak), Mdanalysis 2.03 MB calc / 27.77 MB plot (27.77 MB peak).</a:t>
             </a:r>
           </a:p>
           <a:p>
@@ -3984,6 +3984,30 @@
           </a:prstGeom>
         </p:spPr>
       </p:pic>
+      <p:pic>
+        <p:nvPicPr>
+          <p:cNvPr id="6" name="Picture 5" descr="orchestrator_loc_advantage.png"/>
+          <p:cNvPicPr>
+            <a:picLocks noChangeAspect="1"/>
+          </p:cNvPicPr>
+          <p:nvPr/>
+        </p:nvPicPr>
+        <p:blipFill>
+          <a:blip r:embed="rId5"/>
+          <a:stretch>
+            <a:fillRect/>
+          </a:stretch>
+        </p:blipFill>
+        <p:spPr>
+          <a:xfrm>
+            <a:off x="4572000" y="3840480"/>
+            <a:ext cx="3657600" cy="1787286"/>
+          </a:xfrm>
+          <a:prstGeom prst="rect">
+            <a:avLst/>
+          </a:prstGeom>
+        </p:spPr>
+      </p:pic>
     </p:spTree>
   </p:cSld>
   <p:clrMapOvr>
@@ -4832,7 +4856,7 @@
         <p:spPr>
           <a:xfrm>
             <a:off x="4572000" y="1097280"/>
-            <a:ext cx="3657600" cy="2268638"/>
+            <a:ext cx="3657600" cy="2229134"/>
           </a:xfrm>
           <a:prstGeom prst="rect">
             <a:avLst/>
